--- a/OpenParis_slides.pptx
+++ b/OpenParis_slides.pptx
@@ -1,8 +1,8 @@
 
 <file path=ppt/presentation.xml><?xml version="1.0" encoding="utf-8"?>
-<p:presentation xmlns:a="http://schemas.openxmlformats.org/drawingml/2006/main" xmlns:r="http://schemas.openxmlformats.org/officeDocument/2006/relationships" xmlns:p="http://schemas.openxmlformats.org/presentationml/2006/main" saveSubsetFonts="1">
+<p:presentation xmlns:a="http://schemas.openxmlformats.org/drawingml/2006/main" xmlns:r="http://schemas.openxmlformats.org/officeDocument/2006/relationships" xmlns:mc="http://schemas.openxmlformats.org/markup-compatibility/2006" xmlns:mv="urn:schemas-microsoft-com:mac:vml" xmlns:p="http://schemas.openxmlformats.org/presentationml/2006/main" mc:Ignorable="mv" mc:PreserveAttributes="mv:*" saveSubsetFonts="1">
   <p:sldMasterIdLst>
-    <p:sldMasterId id="2147483648" r:id="rId1"/>
+    <p:sldMasterId r:id="rId1"/>
   </p:sldMasterIdLst>
   <p:sldIdLst>
     <p:sldId id="258" r:id="rId2"/>
@@ -110,14 +110,14 @@
   </p:defaultTextStyle>
   <p:extLst>
     <p:ext uri="{EFAFB233-063F-42B5-8137-9DF3F51BA10A}">
-      <p15:sldGuideLst xmlns:p15="http://schemas.microsoft.com/office/powerpoint/2012/main"/>
+      <p15:sldGuideLst xmlns:p15="http://schemas.microsoft.com/office/powerpoint/2012/main" xmlns:p="http://schemas.openxmlformats.org/presentationml/2006/main" xmlns:r="http://schemas.openxmlformats.org/officeDocument/2006/relationships" xmlns:a="http://schemas.openxmlformats.org/drawingml/2006/main" xmlns=""/>
     </p:ext>
   </p:extLst>
 </p:presentation>
 </file>
 
 <file path=ppt/slideLayouts/slideLayout1.xml><?xml version="1.0" encoding="utf-8"?>
-<p:sldLayout xmlns:a="http://schemas.openxmlformats.org/drawingml/2006/main" xmlns:r="http://schemas.openxmlformats.org/officeDocument/2006/relationships" xmlns:p="http://schemas.openxmlformats.org/presentationml/2006/main" type="title" preserve="1">
+<p:sldLayout xmlns:a="http://schemas.openxmlformats.org/drawingml/2006/main" xmlns:r="http://schemas.openxmlformats.org/officeDocument/2006/relationships" xmlns:mc="http://schemas.openxmlformats.org/markup-compatibility/2006" xmlns:mv="urn:schemas-microsoft-com:mac:vml" xmlns:p="http://schemas.openxmlformats.org/presentationml/2006/main" mc:Ignorable="mv" mc:PreserveAttributes="mv:*" type="title" preserve="1">
   <p:cSld name="Title Slide">
     <p:spTree>
       <p:nvGrpSpPr>
@@ -247,7 +247,8 @@
           <a:p>
             <a:fld id="{7E81111D-5BF4-4917-9DF1-8A2AD5842497}" type="datetimeFigureOut">
               <a:rPr lang="fr-FR" smtClean="0"/>
-              <a:t>13/04/2013</a:t>
+              <a:pPr/>
+              <a:t>5/15/13</a:t>
             </a:fld>
             <a:endParaRPr lang="fr-FR"/>
           </a:p>
@@ -289,6 +290,7 @@
           <a:p>
             <a:fld id="{C2A9832A-C5C9-4134-8B22-7C14876BB020}" type="slidenum">
               <a:rPr lang="fr-FR" smtClean="0"/>
+              <a:pPr/>
               <a:t>‹#›</a:t>
             </a:fld>
             <a:endParaRPr lang="fr-FR"/>
@@ -298,7 +300,7 @@
     </p:spTree>
     <p:extLst>
       <p:ext uri="{BB962C8B-B14F-4D97-AF65-F5344CB8AC3E}">
-        <p14:creationId xmlns:p14="http://schemas.microsoft.com/office/powerpoint/2010/main" val="3319364236"/>
+        <p14:creationId xmlns:p14="http://schemas.microsoft.com/office/powerpoint/2010/main" xmlns:p="http://schemas.openxmlformats.org/presentationml/2006/main" xmlns:r="http://schemas.openxmlformats.org/officeDocument/2006/relationships" xmlns:a="http://schemas.openxmlformats.org/drawingml/2006/main" xmlns="" val="3319364236"/>
       </p:ext>
     </p:extLst>
   </p:cSld>
@@ -309,7 +311,7 @@
 </file>
 
 <file path=ppt/slideLayouts/slideLayout10.xml><?xml version="1.0" encoding="utf-8"?>
-<p:sldLayout xmlns:a="http://schemas.openxmlformats.org/drawingml/2006/main" xmlns:r="http://schemas.openxmlformats.org/officeDocument/2006/relationships" xmlns:p="http://schemas.openxmlformats.org/presentationml/2006/main" type="vertTx" preserve="1">
+<p:sldLayout xmlns:a="http://schemas.openxmlformats.org/drawingml/2006/main" xmlns:r="http://schemas.openxmlformats.org/officeDocument/2006/relationships" xmlns:mc="http://schemas.openxmlformats.org/markup-compatibility/2006" xmlns:mv="urn:schemas-microsoft-com:mac:vml" xmlns:p="http://schemas.openxmlformats.org/presentationml/2006/main" mc:Ignorable="mv" mc:PreserveAttributes="mv:*" type="vertTx" preserve="1">
   <p:cSld name="Title and Vertical Text">
     <p:spTree>
       <p:nvGrpSpPr>
@@ -417,7 +419,8 @@
           <a:p>
             <a:fld id="{7E81111D-5BF4-4917-9DF1-8A2AD5842497}" type="datetimeFigureOut">
               <a:rPr lang="fr-FR" smtClean="0"/>
-              <a:t>13/04/2013</a:t>
+              <a:pPr/>
+              <a:t>5/15/13</a:t>
             </a:fld>
             <a:endParaRPr lang="fr-FR"/>
           </a:p>
@@ -459,6 +462,7 @@
           <a:p>
             <a:fld id="{C2A9832A-C5C9-4134-8B22-7C14876BB020}" type="slidenum">
               <a:rPr lang="fr-FR" smtClean="0"/>
+              <a:pPr/>
               <a:t>‹#›</a:t>
             </a:fld>
             <a:endParaRPr lang="fr-FR"/>
@@ -468,7 +472,7 @@
     </p:spTree>
     <p:extLst>
       <p:ext uri="{BB962C8B-B14F-4D97-AF65-F5344CB8AC3E}">
-        <p14:creationId xmlns:p14="http://schemas.microsoft.com/office/powerpoint/2010/main" val="2035867562"/>
+        <p14:creationId xmlns:p14="http://schemas.microsoft.com/office/powerpoint/2010/main" xmlns:p="http://schemas.openxmlformats.org/presentationml/2006/main" xmlns:r="http://schemas.openxmlformats.org/officeDocument/2006/relationships" xmlns:a="http://schemas.openxmlformats.org/drawingml/2006/main" xmlns="" val="2035867562"/>
       </p:ext>
     </p:extLst>
   </p:cSld>
@@ -479,7 +483,7 @@
 </file>
 
 <file path=ppt/slideLayouts/slideLayout11.xml><?xml version="1.0" encoding="utf-8"?>
-<p:sldLayout xmlns:a="http://schemas.openxmlformats.org/drawingml/2006/main" xmlns:r="http://schemas.openxmlformats.org/officeDocument/2006/relationships" xmlns:p="http://schemas.openxmlformats.org/presentationml/2006/main" type="vertTitleAndTx" preserve="1">
+<p:sldLayout xmlns:a="http://schemas.openxmlformats.org/drawingml/2006/main" xmlns:r="http://schemas.openxmlformats.org/officeDocument/2006/relationships" xmlns:mc="http://schemas.openxmlformats.org/markup-compatibility/2006" xmlns:mv="urn:schemas-microsoft-com:mac:vml" xmlns:p="http://schemas.openxmlformats.org/presentationml/2006/main" mc:Ignorable="mv" mc:PreserveAttributes="mv:*" type="vertTitleAndTx" preserve="1">
   <p:cSld name="Vertical Title and Text">
     <p:spTree>
       <p:nvGrpSpPr>
@@ -597,7 +601,8 @@
           <a:p>
             <a:fld id="{7E81111D-5BF4-4917-9DF1-8A2AD5842497}" type="datetimeFigureOut">
               <a:rPr lang="fr-FR" smtClean="0"/>
-              <a:t>13/04/2013</a:t>
+              <a:pPr/>
+              <a:t>5/15/13</a:t>
             </a:fld>
             <a:endParaRPr lang="fr-FR"/>
           </a:p>
@@ -639,6 +644,7 @@
           <a:p>
             <a:fld id="{C2A9832A-C5C9-4134-8B22-7C14876BB020}" type="slidenum">
               <a:rPr lang="fr-FR" smtClean="0"/>
+              <a:pPr/>
               <a:t>‹#›</a:t>
             </a:fld>
             <a:endParaRPr lang="fr-FR"/>
@@ -648,7 +654,7 @@
     </p:spTree>
     <p:extLst>
       <p:ext uri="{BB962C8B-B14F-4D97-AF65-F5344CB8AC3E}">
-        <p14:creationId xmlns:p14="http://schemas.microsoft.com/office/powerpoint/2010/main" val="21543150"/>
+        <p14:creationId xmlns:p14="http://schemas.microsoft.com/office/powerpoint/2010/main" xmlns:p="http://schemas.openxmlformats.org/presentationml/2006/main" xmlns:r="http://schemas.openxmlformats.org/officeDocument/2006/relationships" xmlns:a="http://schemas.openxmlformats.org/drawingml/2006/main" xmlns="" val="21543150"/>
       </p:ext>
     </p:extLst>
   </p:cSld>
@@ -659,7 +665,7 @@
 </file>
 
 <file path=ppt/slideLayouts/slideLayout2.xml><?xml version="1.0" encoding="utf-8"?>
-<p:sldLayout xmlns:a="http://schemas.openxmlformats.org/drawingml/2006/main" xmlns:r="http://schemas.openxmlformats.org/officeDocument/2006/relationships" xmlns:p="http://schemas.openxmlformats.org/presentationml/2006/main" type="obj" preserve="1">
+<p:sldLayout xmlns:a="http://schemas.openxmlformats.org/drawingml/2006/main" xmlns:r="http://schemas.openxmlformats.org/officeDocument/2006/relationships" xmlns:mc="http://schemas.openxmlformats.org/markup-compatibility/2006" xmlns:mv="urn:schemas-microsoft-com:mac:vml" xmlns:p="http://schemas.openxmlformats.org/presentationml/2006/main" mc:Ignorable="mv" mc:PreserveAttributes="mv:*" type="obj" preserve="1">
   <p:cSld name="Title and Content">
     <p:spTree>
       <p:nvGrpSpPr>
@@ -767,7 +773,8 @@
           <a:p>
             <a:fld id="{7E81111D-5BF4-4917-9DF1-8A2AD5842497}" type="datetimeFigureOut">
               <a:rPr lang="fr-FR" smtClean="0"/>
-              <a:t>13/04/2013</a:t>
+              <a:pPr/>
+              <a:t>5/15/13</a:t>
             </a:fld>
             <a:endParaRPr lang="fr-FR"/>
           </a:p>
@@ -809,6 +816,7 @@
           <a:p>
             <a:fld id="{C2A9832A-C5C9-4134-8B22-7C14876BB020}" type="slidenum">
               <a:rPr lang="fr-FR" smtClean="0"/>
+              <a:pPr/>
               <a:t>‹#›</a:t>
             </a:fld>
             <a:endParaRPr lang="fr-FR"/>
@@ -818,7 +826,7 @@
     </p:spTree>
     <p:extLst>
       <p:ext uri="{BB962C8B-B14F-4D97-AF65-F5344CB8AC3E}">
-        <p14:creationId xmlns:p14="http://schemas.microsoft.com/office/powerpoint/2010/main" val="618810038"/>
+        <p14:creationId xmlns:p14="http://schemas.microsoft.com/office/powerpoint/2010/main" xmlns:p="http://schemas.openxmlformats.org/presentationml/2006/main" xmlns:r="http://schemas.openxmlformats.org/officeDocument/2006/relationships" xmlns:a="http://schemas.openxmlformats.org/drawingml/2006/main" xmlns="" val="618810038"/>
       </p:ext>
     </p:extLst>
   </p:cSld>
@@ -829,7 +837,7 @@
 </file>
 
 <file path=ppt/slideLayouts/slideLayout3.xml><?xml version="1.0" encoding="utf-8"?>
-<p:sldLayout xmlns:a="http://schemas.openxmlformats.org/drawingml/2006/main" xmlns:r="http://schemas.openxmlformats.org/officeDocument/2006/relationships" xmlns:p="http://schemas.openxmlformats.org/presentationml/2006/main" type="secHead" preserve="1">
+<p:sldLayout xmlns:a="http://schemas.openxmlformats.org/drawingml/2006/main" xmlns:r="http://schemas.openxmlformats.org/officeDocument/2006/relationships" xmlns:mc="http://schemas.openxmlformats.org/markup-compatibility/2006" xmlns:mv="urn:schemas-microsoft-com:mac:vml" xmlns:p="http://schemas.openxmlformats.org/presentationml/2006/main" mc:Ignorable="mv" mc:PreserveAttributes="mv:*" type="secHead" preserve="1">
   <p:cSld name="Section Header">
     <p:spTree>
       <p:nvGrpSpPr>
@@ -1013,7 +1021,8 @@
           <a:p>
             <a:fld id="{7E81111D-5BF4-4917-9DF1-8A2AD5842497}" type="datetimeFigureOut">
               <a:rPr lang="fr-FR" smtClean="0"/>
-              <a:t>13/04/2013</a:t>
+              <a:pPr/>
+              <a:t>5/15/13</a:t>
             </a:fld>
             <a:endParaRPr lang="fr-FR"/>
           </a:p>
@@ -1055,6 +1064,7 @@
           <a:p>
             <a:fld id="{C2A9832A-C5C9-4134-8B22-7C14876BB020}" type="slidenum">
               <a:rPr lang="fr-FR" smtClean="0"/>
+              <a:pPr/>
               <a:t>‹#›</a:t>
             </a:fld>
             <a:endParaRPr lang="fr-FR"/>
@@ -1064,7 +1074,7 @@
     </p:spTree>
     <p:extLst>
       <p:ext uri="{BB962C8B-B14F-4D97-AF65-F5344CB8AC3E}">
-        <p14:creationId xmlns:p14="http://schemas.microsoft.com/office/powerpoint/2010/main" val="203394438"/>
+        <p14:creationId xmlns:p14="http://schemas.microsoft.com/office/powerpoint/2010/main" xmlns:p="http://schemas.openxmlformats.org/presentationml/2006/main" xmlns:r="http://schemas.openxmlformats.org/officeDocument/2006/relationships" xmlns:a="http://schemas.openxmlformats.org/drawingml/2006/main" xmlns="" val="203394438"/>
       </p:ext>
     </p:extLst>
   </p:cSld>
@@ -1075,7 +1085,7 @@
 </file>
 
 <file path=ppt/slideLayouts/slideLayout4.xml><?xml version="1.0" encoding="utf-8"?>
-<p:sldLayout xmlns:a="http://schemas.openxmlformats.org/drawingml/2006/main" xmlns:r="http://schemas.openxmlformats.org/officeDocument/2006/relationships" xmlns:p="http://schemas.openxmlformats.org/presentationml/2006/main" type="twoObj" preserve="1">
+<p:sldLayout xmlns:a="http://schemas.openxmlformats.org/drawingml/2006/main" xmlns:r="http://schemas.openxmlformats.org/officeDocument/2006/relationships" xmlns:mc="http://schemas.openxmlformats.org/markup-compatibility/2006" xmlns:mv="urn:schemas-microsoft-com:mac:vml" xmlns:p="http://schemas.openxmlformats.org/presentationml/2006/main" mc:Ignorable="mv" mc:PreserveAttributes="mv:*" type="twoObj" preserve="1">
   <p:cSld name="Two Content">
     <p:spTree>
       <p:nvGrpSpPr>
@@ -1245,7 +1255,8 @@
           <a:p>
             <a:fld id="{7E81111D-5BF4-4917-9DF1-8A2AD5842497}" type="datetimeFigureOut">
               <a:rPr lang="fr-FR" smtClean="0"/>
-              <a:t>13/04/2013</a:t>
+              <a:pPr/>
+              <a:t>5/15/13</a:t>
             </a:fld>
             <a:endParaRPr lang="fr-FR"/>
           </a:p>
@@ -1287,6 +1298,7 @@
           <a:p>
             <a:fld id="{C2A9832A-C5C9-4134-8B22-7C14876BB020}" type="slidenum">
               <a:rPr lang="fr-FR" smtClean="0"/>
+              <a:pPr/>
               <a:t>‹#›</a:t>
             </a:fld>
             <a:endParaRPr lang="fr-FR"/>
@@ -1296,7 +1308,7 @@
     </p:spTree>
     <p:extLst>
       <p:ext uri="{BB962C8B-B14F-4D97-AF65-F5344CB8AC3E}">
-        <p14:creationId xmlns:p14="http://schemas.microsoft.com/office/powerpoint/2010/main" val="2282420423"/>
+        <p14:creationId xmlns:p14="http://schemas.microsoft.com/office/powerpoint/2010/main" xmlns:p="http://schemas.openxmlformats.org/presentationml/2006/main" xmlns:r="http://schemas.openxmlformats.org/officeDocument/2006/relationships" xmlns:a="http://schemas.openxmlformats.org/drawingml/2006/main" xmlns="" val="2282420423"/>
       </p:ext>
     </p:extLst>
   </p:cSld>
@@ -1307,7 +1319,7 @@
 </file>
 
 <file path=ppt/slideLayouts/slideLayout5.xml><?xml version="1.0" encoding="utf-8"?>
-<p:sldLayout xmlns:a="http://schemas.openxmlformats.org/drawingml/2006/main" xmlns:r="http://schemas.openxmlformats.org/officeDocument/2006/relationships" xmlns:p="http://schemas.openxmlformats.org/presentationml/2006/main" type="twoTxTwoObj" preserve="1">
+<p:sldLayout xmlns:a="http://schemas.openxmlformats.org/drawingml/2006/main" xmlns:r="http://schemas.openxmlformats.org/officeDocument/2006/relationships" xmlns:mc="http://schemas.openxmlformats.org/markup-compatibility/2006" xmlns:mv="urn:schemas-microsoft-com:mac:vml" xmlns:p="http://schemas.openxmlformats.org/presentationml/2006/main" mc:Ignorable="mv" mc:PreserveAttributes="mv:*" type="twoTxTwoObj" preserve="1">
   <p:cSld name="Comparison">
     <p:spTree>
       <p:nvGrpSpPr>
@@ -1612,7 +1624,8 @@
           <a:p>
             <a:fld id="{7E81111D-5BF4-4917-9DF1-8A2AD5842497}" type="datetimeFigureOut">
               <a:rPr lang="fr-FR" smtClean="0"/>
-              <a:t>13/04/2013</a:t>
+              <a:pPr/>
+              <a:t>5/15/13</a:t>
             </a:fld>
             <a:endParaRPr lang="fr-FR"/>
           </a:p>
@@ -1654,6 +1667,7 @@
           <a:p>
             <a:fld id="{C2A9832A-C5C9-4134-8B22-7C14876BB020}" type="slidenum">
               <a:rPr lang="fr-FR" smtClean="0"/>
+              <a:pPr/>
               <a:t>‹#›</a:t>
             </a:fld>
             <a:endParaRPr lang="fr-FR"/>
@@ -1663,7 +1677,7 @@
     </p:spTree>
     <p:extLst>
       <p:ext uri="{BB962C8B-B14F-4D97-AF65-F5344CB8AC3E}">
-        <p14:creationId xmlns:p14="http://schemas.microsoft.com/office/powerpoint/2010/main" val="393803773"/>
+        <p14:creationId xmlns:p14="http://schemas.microsoft.com/office/powerpoint/2010/main" xmlns:p="http://schemas.openxmlformats.org/presentationml/2006/main" xmlns:r="http://schemas.openxmlformats.org/officeDocument/2006/relationships" xmlns:a="http://schemas.openxmlformats.org/drawingml/2006/main" xmlns="" val="393803773"/>
       </p:ext>
     </p:extLst>
   </p:cSld>
@@ -1674,7 +1688,7 @@
 </file>
 
 <file path=ppt/slideLayouts/slideLayout6.xml><?xml version="1.0" encoding="utf-8"?>
-<p:sldLayout xmlns:a="http://schemas.openxmlformats.org/drawingml/2006/main" xmlns:r="http://schemas.openxmlformats.org/officeDocument/2006/relationships" xmlns:p="http://schemas.openxmlformats.org/presentationml/2006/main" type="titleOnly" preserve="1">
+<p:sldLayout xmlns:a="http://schemas.openxmlformats.org/drawingml/2006/main" xmlns:r="http://schemas.openxmlformats.org/officeDocument/2006/relationships" xmlns:mc="http://schemas.openxmlformats.org/markup-compatibility/2006" xmlns:mv="urn:schemas-microsoft-com:mac:vml" xmlns:p="http://schemas.openxmlformats.org/presentationml/2006/main" mc:Ignorable="mv" mc:PreserveAttributes="mv:*" type="titleOnly" preserve="1">
   <p:cSld name="Title Only">
     <p:spTree>
       <p:nvGrpSpPr>
@@ -1730,7 +1744,8 @@
           <a:p>
             <a:fld id="{7E81111D-5BF4-4917-9DF1-8A2AD5842497}" type="datetimeFigureOut">
               <a:rPr lang="fr-FR" smtClean="0"/>
-              <a:t>13/04/2013</a:t>
+              <a:pPr/>
+              <a:t>5/15/13</a:t>
             </a:fld>
             <a:endParaRPr lang="fr-FR"/>
           </a:p>
@@ -1772,6 +1787,7 @@
           <a:p>
             <a:fld id="{C2A9832A-C5C9-4134-8B22-7C14876BB020}" type="slidenum">
               <a:rPr lang="fr-FR" smtClean="0"/>
+              <a:pPr/>
               <a:t>‹#›</a:t>
             </a:fld>
             <a:endParaRPr lang="fr-FR"/>
@@ -1781,7 +1797,7 @@
     </p:spTree>
     <p:extLst>
       <p:ext uri="{BB962C8B-B14F-4D97-AF65-F5344CB8AC3E}">
-        <p14:creationId xmlns:p14="http://schemas.microsoft.com/office/powerpoint/2010/main" val="658762153"/>
+        <p14:creationId xmlns:p14="http://schemas.microsoft.com/office/powerpoint/2010/main" xmlns:p="http://schemas.openxmlformats.org/presentationml/2006/main" xmlns:r="http://schemas.openxmlformats.org/officeDocument/2006/relationships" xmlns:a="http://schemas.openxmlformats.org/drawingml/2006/main" xmlns="" val="658762153"/>
       </p:ext>
     </p:extLst>
   </p:cSld>
@@ -1792,7 +1808,7 @@
 </file>
 
 <file path=ppt/slideLayouts/slideLayout7.xml><?xml version="1.0" encoding="utf-8"?>
-<p:sldLayout xmlns:a="http://schemas.openxmlformats.org/drawingml/2006/main" xmlns:r="http://schemas.openxmlformats.org/officeDocument/2006/relationships" xmlns:p="http://schemas.openxmlformats.org/presentationml/2006/main" type="blank" preserve="1">
+<p:sldLayout xmlns:a="http://schemas.openxmlformats.org/drawingml/2006/main" xmlns:r="http://schemas.openxmlformats.org/officeDocument/2006/relationships" xmlns:mc="http://schemas.openxmlformats.org/markup-compatibility/2006" xmlns:mv="urn:schemas-microsoft-com:mac:vml" xmlns:p="http://schemas.openxmlformats.org/presentationml/2006/main" mc:Ignorable="mv" mc:PreserveAttributes="mv:*" type="blank" preserve="1">
   <p:cSld name="Blank">
     <p:spTree>
       <p:nvGrpSpPr>
@@ -1825,7 +1841,8 @@
           <a:p>
             <a:fld id="{7E81111D-5BF4-4917-9DF1-8A2AD5842497}" type="datetimeFigureOut">
               <a:rPr lang="fr-FR" smtClean="0"/>
-              <a:t>13/04/2013</a:t>
+              <a:pPr/>
+              <a:t>5/15/13</a:t>
             </a:fld>
             <a:endParaRPr lang="fr-FR"/>
           </a:p>
@@ -1867,6 +1884,7 @@
           <a:p>
             <a:fld id="{C2A9832A-C5C9-4134-8B22-7C14876BB020}" type="slidenum">
               <a:rPr lang="fr-FR" smtClean="0"/>
+              <a:pPr/>
               <a:t>‹#›</a:t>
             </a:fld>
             <a:endParaRPr lang="fr-FR"/>
@@ -1876,7 +1894,7 @@
     </p:spTree>
     <p:extLst>
       <p:ext uri="{BB962C8B-B14F-4D97-AF65-F5344CB8AC3E}">
-        <p14:creationId xmlns:p14="http://schemas.microsoft.com/office/powerpoint/2010/main" val="3015572323"/>
+        <p14:creationId xmlns:p14="http://schemas.microsoft.com/office/powerpoint/2010/main" xmlns:p="http://schemas.openxmlformats.org/presentationml/2006/main" xmlns:r="http://schemas.openxmlformats.org/officeDocument/2006/relationships" xmlns:a="http://schemas.openxmlformats.org/drawingml/2006/main" xmlns="" val="3015572323"/>
       </p:ext>
     </p:extLst>
   </p:cSld>
@@ -1887,7 +1905,7 @@
 </file>
 
 <file path=ppt/slideLayouts/slideLayout8.xml><?xml version="1.0" encoding="utf-8"?>
-<p:sldLayout xmlns:a="http://schemas.openxmlformats.org/drawingml/2006/main" xmlns:r="http://schemas.openxmlformats.org/officeDocument/2006/relationships" xmlns:p="http://schemas.openxmlformats.org/presentationml/2006/main" type="objTx" preserve="1">
+<p:sldLayout xmlns:a="http://schemas.openxmlformats.org/drawingml/2006/main" xmlns:r="http://schemas.openxmlformats.org/officeDocument/2006/relationships" xmlns:mc="http://schemas.openxmlformats.org/markup-compatibility/2006" xmlns:mv="urn:schemas-microsoft-com:mac:vml" xmlns:p="http://schemas.openxmlformats.org/presentationml/2006/main" mc:Ignorable="mv" mc:PreserveAttributes="mv:*" type="objTx" preserve="1">
   <p:cSld name="Content with Caption">
     <p:spTree>
       <p:nvGrpSpPr>
@@ -2102,7 +2120,8 @@
           <a:p>
             <a:fld id="{7E81111D-5BF4-4917-9DF1-8A2AD5842497}" type="datetimeFigureOut">
               <a:rPr lang="fr-FR" smtClean="0"/>
-              <a:t>13/04/2013</a:t>
+              <a:pPr/>
+              <a:t>5/15/13</a:t>
             </a:fld>
             <a:endParaRPr lang="fr-FR"/>
           </a:p>
@@ -2144,6 +2163,7 @@
           <a:p>
             <a:fld id="{C2A9832A-C5C9-4134-8B22-7C14876BB020}" type="slidenum">
               <a:rPr lang="fr-FR" smtClean="0"/>
+              <a:pPr/>
               <a:t>‹#›</a:t>
             </a:fld>
             <a:endParaRPr lang="fr-FR"/>
@@ -2153,7 +2173,7 @@
     </p:spTree>
     <p:extLst>
       <p:ext uri="{BB962C8B-B14F-4D97-AF65-F5344CB8AC3E}">
-        <p14:creationId xmlns:p14="http://schemas.microsoft.com/office/powerpoint/2010/main" val="558566331"/>
+        <p14:creationId xmlns:p14="http://schemas.microsoft.com/office/powerpoint/2010/main" xmlns:p="http://schemas.openxmlformats.org/presentationml/2006/main" xmlns:r="http://schemas.openxmlformats.org/officeDocument/2006/relationships" xmlns:a="http://schemas.openxmlformats.org/drawingml/2006/main" xmlns="" val="558566331"/>
       </p:ext>
     </p:extLst>
   </p:cSld>
@@ -2164,7 +2184,7 @@
 </file>
 
 <file path=ppt/slideLayouts/slideLayout9.xml><?xml version="1.0" encoding="utf-8"?>
-<p:sldLayout xmlns:a="http://schemas.openxmlformats.org/drawingml/2006/main" xmlns:r="http://schemas.openxmlformats.org/officeDocument/2006/relationships" xmlns:p="http://schemas.openxmlformats.org/presentationml/2006/main" type="picTx" preserve="1">
+<p:sldLayout xmlns:a="http://schemas.openxmlformats.org/drawingml/2006/main" xmlns:r="http://schemas.openxmlformats.org/officeDocument/2006/relationships" xmlns:mc="http://schemas.openxmlformats.org/markup-compatibility/2006" xmlns:mv="urn:schemas-microsoft-com:mac:vml" xmlns:p="http://schemas.openxmlformats.org/presentationml/2006/main" mc:Ignorable="mv" mc:PreserveAttributes="mv:*" type="picTx" preserve="1">
   <p:cSld name="Picture with Caption">
     <p:spTree>
       <p:nvGrpSpPr>
@@ -2355,7 +2375,8 @@
           <a:p>
             <a:fld id="{7E81111D-5BF4-4917-9DF1-8A2AD5842497}" type="datetimeFigureOut">
               <a:rPr lang="fr-FR" smtClean="0"/>
-              <a:t>13/04/2013</a:t>
+              <a:pPr/>
+              <a:t>5/15/13</a:t>
             </a:fld>
             <a:endParaRPr lang="fr-FR"/>
           </a:p>
@@ -2397,6 +2418,7 @@
           <a:p>
             <a:fld id="{C2A9832A-C5C9-4134-8B22-7C14876BB020}" type="slidenum">
               <a:rPr lang="fr-FR" smtClean="0"/>
+              <a:pPr/>
               <a:t>‹#›</a:t>
             </a:fld>
             <a:endParaRPr lang="fr-FR"/>
@@ -2406,7 +2428,7 @@
     </p:spTree>
     <p:extLst>
       <p:ext uri="{BB962C8B-B14F-4D97-AF65-F5344CB8AC3E}">
-        <p14:creationId xmlns:p14="http://schemas.microsoft.com/office/powerpoint/2010/main" val="998757127"/>
+        <p14:creationId xmlns:p14="http://schemas.microsoft.com/office/powerpoint/2010/main" xmlns:p="http://schemas.openxmlformats.org/presentationml/2006/main" xmlns:r="http://schemas.openxmlformats.org/officeDocument/2006/relationships" xmlns:a="http://schemas.openxmlformats.org/drawingml/2006/main" xmlns="" val="998757127"/>
       </p:ext>
     </p:extLst>
   </p:cSld>
@@ -2417,7 +2439,7 @@
 </file>
 
 <file path=ppt/slideMasters/slideMaster1.xml><?xml version="1.0" encoding="utf-8"?>
-<p:sldMaster xmlns:a="http://schemas.openxmlformats.org/drawingml/2006/main" xmlns:r="http://schemas.openxmlformats.org/officeDocument/2006/relationships" xmlns:p="http://schemas.openxmlformats.org/presentationml/2006/main">
+<p:sldMaster xmlns:a="http://schemas.openxmlformats.org/drawingml/2006/main" xmlns:r="http://schemas.openxmlformats.org/officeDocument/2006/relationships" xmlns:mc="http://schemas.openxmlformats.org/markup-compatibility/2006" xmlns:mv="urn:schemas-microsoft-com:mac:vml" xmlns:p="http://schemas.openxmlformats.org/presentationml/2006/main" mc:Ignorable="mv" mc:PreserveAttributes="mv:*">
   <p:cSld>
     <p:bg>
       <p:bgRef idx="1001">
@@ -2568,7 +2590,8 @@
           <a:p>
             <a:fld id="{7E81111D-5BF4-4917-9DF1-8A2AD5842497}" type="datetimeFigureOut">
               <a:rPr lang="fr-FR" smtClean="0"/>
-              <a:t>13/04/2013</a:t>
+              <a:pPr/>
+              <a:t>5/15/13</a:t>
             </a:fld>
             <a:endParaRPr lang="fr-FR"/>
           </a:p>
@@ -2646,6 +2669,7 @@
           <a:p>
             <a:fld id="{C2A9832A-C5C9-4134-8B22-7C14876BB020}" type="slidenum">
               <a:rPr lang="fr-FR" smtClean="0"/>
+              <a:pPr/>
               <a:t>‹#›</a:t>
             </a:fld>
             <a:endParaRPr lang="fr-FR"/>
@@ -2655,23 +2679,23 @@
     </p:spTree>
     <p:extLst>
       <p:ext uri="{BB962C8B-B14F-4D97-AF65-F5344CB8AC3E}">
-        <p14:creationId xmlns:p14="http://schemas.microsoft.com/office/powerpoint/2010/main" val="1218047425"/>
+        <p14:creationId xmlns:p14="http://schemas.microsoft.com/office/powerpoint/2010/main" xmlns:p="http://schemas.openxmlformats.org/presentationml/2006/main" xmlns:r="http://schemas.openxmlformats.org/officeDocument/2006/relationships" xmlns:a="http://schemas.openxmlformats.org/drawingml/2006/main" xmlns="" val="1218047425"/>
       </p:ext>
     </p:extLst>
   </p:cSld>
   <p:clrMap bg1="lt1" tx1="dk1" bg2="lt2" tx2="dk2" accent1="accent1" accent2="accent2" accent3="accent3" accent4="accent4" accent5="accent5" accent6="accent6" hlink="hlink" folHlink="folHlink"/>
   <p:sldLayoutIdLst>
-    <p:sldLayoutId id="2147483649" r:id="rId1"/>
-    <p:sldLayoutId id="2147483650" r:id="rId2"/>
-    <p:sldLayoutId id="2147483651" r:id="rId3"/>
-    <p:sldLayoutId id="2147483652" r:id="rId4"/>
-    <p:sldLayoutId id="2147483653" r:id="rId5"/>
-    <p:sldLayoutId id="2147483654" r:id="rId6"/>
-    <p:sldLayoutId id="2147483655" r:id="rId7"/>
-    <p:sldLayoutId id="2147483656" r:id="rId8"/>
-    <p:sldLayoutId id="2147483657" r:id="rId9"/>
-    <p:sldLayoutId id="2147483658" r:id="rId10"/>
-    <p:sldLayoutId id="2147483659" r:id="rId11"/>
+    <p:sldLayoutId r:id="rId1"/>
+    <p:sldLayoutId r:id="rId2"/>
+    <p:sldLayoutId r:id="rId3"/>
+    <p:sldLayoutId r:id="rId4"/>
+    <p:sldLayoutId r:id="rId5"/>
+    <p:sldLayoutId r:id="rId6"/>
+    <p:sldLayoutId r:id="rId7"/>
+    <p:sldLayoutId r:id="rId8"/>
+    <p:sldLayoutId r:id="rId9"/>
+    <p:sldLayoutId r:id="rId10"/>
+    <p:sldLayoutId r:id="rId11"/>
   </p:sldLayoutIdLst>
   <p:txStyles>
     <p:titleStyle>
@@ -2957,7 +2981,7 @@
 </file>
 
 <file path=ppt/slides/slide1.xml><?xml version="1.0" encoding="utf-8"?>
-<p:sld xmlns:a="http://schemas.openxmlformats.org/drawingml/2006/main" xmlns:r="http://schemas.openxmlformats.org/officeDocument/2006/relationships" xmlns:p="http://schemas.openxmlformats.org/presentationml/2006/main">
+<p:sld xmlns:a="http://schemas.openxmlformats.org/drawingml/2006/main" xmlns:r="http://schemas.openxmlformats.org/officeDocument/2006/relationships" xmlns:mc="http://schemas.openxmlformats.org/markup-compatibility/2006" xmlns:mv="urn:schemas-microsoft-com:mac:vml" xmlns:p="http://schemas.openxmlformats.org/presentationml/2006/main" mc:Ignorable="mv" mc:PreserveAttributes="mv:*">
   <p:cSld>
     <p:bg>
       <p:bgPr>
@@ -3032,7 +3056,7 @@
         <p:spPr>
           <a:xfrm>
             <a:off x="3836464" y="3795703"/>
-            <a:ext cx="6248827" cy="707886"/>
+            <a:ext cx="3571711" cy="707886"/>
           </a:xfrm>
           <a:prstGeom prst="rect">
             <a:avLst/>
@@ -3046,34 +3070,14 @@
           <a:lstStyle/>
           <a:p>
             <a:r>
-              <a:rPr lang="fr-FR" sz="4000" spc="300" dirty="0" err="1" smtClean="0">
+              <a:rPr lang="fr-FR" sz="4000" spc="300" smtClean="0">
                 <a:solidFill>
                   <a:schemeClr val="bg1"/>
                 </a:solidFill>
                 <a:latin typeface="Segoe UI Light" panose="020B0502040204020203" pitchFamily="34" charset="0"/>
                 <a:cs typeface="Segoe UI Light" panose="020B0502040204020203" pitchFamily="34" charset="0"/>
               </a:rPr>
-              <a:t>Useful</a:t>
-            </a:r>
-            <a:r>
-              <a:rPr lang="fr-FR" sz="4000" spc="300" dirty="0" smtClean="0">
-                <a:solidFill>
-                  <a:schemeClr val="bg1"/>
-                </a:solidFill>
-                <a:latin typeface="Segoe UI Light" panose="020B0502040204020203" pitchFamily="34" charset="0"/>
-                <a:cs typeface="Segoe UI Light" panose="020B0502040204020203" pitchFamily="34" charset="0"/>
-              </a:rPr>
-              <a:t>, Usable, </a:t>
-            </a:r>
-            <a:r>
-              <a:rPr lang="fr-FR" sz="4000" spc="300" dirty="0" err="1" smtClean="0">
-                <a:solidFill>
-                  <a:schemeClr val="bg1"/>
-                </a:solidFill>
-                <a:latin typeface="Segoe UI Light" panose="020B0502040204020203" pitchFamily="34" charset="0"/>
-                <a:cs typeface="Segoe UI Light" panose="020B0502040204020203" pitchFamily="34" charset="0"/>
-              </a:rPr>
-              <a:t>Beautiful</a:t>
+              <a:t>XXXXXXXXX</a:t>
             </a:r>
             <a:endParaRPr lang="fr-FR" sz="4000" spc="300" dirty="0">
               <a:solidFill>
@@ -3097,7 +3101,7 @@
           <a:blip r:embed="rId2">
             <a:extLst>
               <a:ext uri="{28A0092B-C50C-407E-A947-70E740481C1C}">
-                <a14:useLocalDpi xmlns:a14="http://schemas.microsoft.com/office/drawing/2010/main" val="0"/>
+                <a14:useLocalDpi xmlns:a14="http://schemas.microsoft.com/office/drawing/2010/main" xmlns:p="http://schemas.openxmlformats.org/presentationml/2006/main" xmlns:r="http://schemas.openxmlformats.org/officeDocument/2006/relationships" xmlns:a="http://schemas.openxmlformats.org/drawingml/2006/main" xmlns="" val="0"/>
               </a:ext>
             </a:extLst>
           </a:blip>
@@ -3118,7 +3122,7 @@
     </p:spTree>
     <p:extLst>
       <p:ext uri="{BB962C8B-B14F-4D97-AF65-F5344CB8AC3E}">
-        <p14:creationId xmlns:p14="http://schemas.microsoft.com/office/powerpoint/2010/main" val="3421447898"/>
+        <p14:creationId xmlns:p14="http://schemas.microsoft.com/office/powerpoint/2010/main" xmlns:p="http://schemas.openxmlformats.org/presentationml/2006/main" xmlns:r="http://schemas.openxmlformats.org/officeDocument/2006/relationships" xmlns:a="http://schemas.openxmlformats.org/drawingml/2006/main" xmlns="" val="3421447898"/>
       </p:ext>
     </p:extLst>
   </p:cSld>
@@ -3136,7 +3140,7 @@
 </file>
 
 <file path=ppt/slides/slide2.xml><?xml version="1.0" encoding="utf-8"?>
-<p:sld xmlns:a="http://schemas.openxmlformats.org/drawingml/2006/main" xmlns:r="http://schemas.openxmlformats.org/officeDocument/2006/relationships" xmlns:p="http://schemas.openxmlformats.org/presentationml/2006/main">
+<p:sld xmlns:a="http://schemas.openxmlformats.org/drawingml/2006/main" xmlns:r="http://schemas.openxmlformats.org/officeDocument/2006/relationships" xmlns:mc="http://schemas.openxmlformats.org/markup-compatibility/2006" xmlns:mv="urn:schemas-microsoft-com:mac:vml" xmlns:p="http://schemas.openxmlformats.org/presentationml/2006/main" mc:Ignorable="mv" mc:PreserveAttributes="mv:*">
   <p:cSld>
     <p:bg>
       <p:bgPr>
@@ -3564,20 +3568,13 @@
               </a:rPr>
               <a:t>Agrégation. Communauté. Partage. Service.</a:t>
             </a:r>
-            <a:endParaRPr lang="fr-FR" sz="3600" dirty="0" smtClean="0">
-              <a:solidFill>
-                <a:schemeClr val="bg1"/>
-              </a:solidFill>
-              <a:latin typeface="Segoe UI Light" panose="020B0502040204020203" pitchFamily="34" charset="0"/>
-              <a:cs typeface="Segoe UI Light" panose="020B0502040204020203" pitchFamily="34" charset="0"/>
-            </a:endParaRPr>
           </a:p>
         </p:txBody>
       </p:sp>
     </p:spTree>
     <p:extLst>
       <p:ext uri="{BB962C8B-B14F-4D97-AF65-F5344CB8AC3E}">
-        <p14:creationId xmlns:p14="http://schemas.microsoft.com/office/powerpoint/2010/main" val="192252097"/>
+        <p14:creationId xmlns:p14="http://schemas.microsoft.com/office/powerpoint/2010/main" xmlns:p="http://schemas.openxmlformats.org/presentationml/2006/main" xmlns:r="http://schemas.openxmlformats.org/officeDocument/2006/relationships" xmlns:a="http://schemas.openxmlformats.org/drawingml/2006/main" xmlns="" val="192252097"/>
       </p:ext>
     </p:extLst>
   </p:cSld>
@@ -3598,7 +3595,7 @@
 </file>
 
 <file path=ppt/slides/slide3.xml><?xml version="1.0" encoding="utf-8"?>
-<p:sld xmlns:a="http://schemas.openxmlformats.org/drawingml/2006/main" xmlns:r="http://schemas.openxmlformats.org/officeDocument/2006/relationships" xmlns:p="http://schemas.openxmlformats.org/presentationml/2006/main">
+<p:sld xmlns:a="http://schemas.openxmlformats.org/drawingml/2006/main" xmlns:r="http://schemas.openxmlformats.org/officeDocument/2006/relationships" xmlns:mc="http://schemas.openxmlformats.org/markup-compatibility/2006" xmlns:mv="urn:schemas-microsoft-com:mac:vml" xmlns:p="http://schemas.openxmlformats.org/presentationml/2006/main" mc:Ignorable="mv" mc:PreserveAttributes="mv:*">
   <p:cSld>
     <p:bg>
       <p:bgPr>
@@ -3862,25 +3859,8 @@
                 <a:latin typeface="Segoe UI Light" panose="020B0502040204020203" pitchFamily="34" charset="0"/>
                 <a:cs typeface="Segoe UI Light" panose="020B0502040204020203" pitchFamily="34" charset="0"/>
               </a:rPr>
-              <a:t>Chercher un centre </a:t>
-            </a:r>
-            <a:r>
-              <a:rPr lang="fr-FR" sz="3200" dirty="0" smtClean="0">
-                <a:solidFill>
-                  <a:schemeClr val="bg1"/>
-                </a:solidFill>
-                <a:latin typeface="Segoe UI Light" panose="020B0502040204020203" pitchFamily="34" charset="0"/>
-                <a:cs typeface="Segoe UI Light" panose="020B0502040204020203" pitchFamily="34" charset="0"/>
-              </a:rPr>
-              <a:t>dentaire</a:t>
-            </a:r>
-            <a:endParaRPr lang="fr-FR" sz="3200" dirty="0" smtClean="0">
-              <a:solidFill>
-                <a:schemeClr val="bg1"/>
-              </a:solidFill>
-              <a:latin typeface="Segoe UI Light" panose="020B0502040204020203" pitchFamily="34" charset="0"/>
-              <a:cs typeface="Segoe UI Light" panose="020B0502040204020203" pitchFamily="34" charset="0"/>
-            </a:endParaRPr>
+              <a:t>Chercher un centre dentaire</a:t>
+            </a:r>
           </a:p>
           <a:p>
             <a:pPr marL="514350" indent="-514350" algn="l">
@@ -3957,17 +3937,7 @@
                 <a:latin typeface="Segoe UI Light" panose="020B0502040204020203" pitchFamily="34" charset="0"/>
                 <a:cs typeface="Segoe UI Light" panose="020B0502040204020203" pitchFamily="34" charset="0"/>
               </a:rPr>
-              <a:t>’ à </a:t>
-            </a:r>
-            <a:r>
-              <a:rPr lang="fr-FR" sz="3200" dirty="0" smtClean="0">
-                <a:solidFill>
-                  <a:schemeClr val="bg1"/>
-                </a:solidFill>
-                <a:latin typeface="Segoe UI Light" panose="020B0502040204020203" pitchFamily="34" charset="0"/>
-                <a:cs typeface="Segoe UI Light" panose="020B0502040204020203" pitchFamily="34" charset="0"/>
-              </a:rPr>
-              <a:t>proximité</a:t>
+              <a:t>’ à proximité</a:t>
             </a:r>
           </a:p>
           <a:p>
@@ -4011,7 +3981,7 @@
     </p:spTree>
     <p:extLst>
       <p:ext uri="{BB962C8B-B14F-4D97-AF65-F5344CB8AC3E}">
-        <p14:creationId xmlns:p14="http://schemas.microsoft.com/office/powerpoint/2010/main" val="3292341495"/>
+        <p14:creationId xmlns:p14="http://schemas.microsoft.com/office/powerpoint/2010/main" xmlns:p="http://schemas.openxmlformats.org/presentationml/2006/main" xmlns:r="http://schemas.openxmlformats.org/officeDocument/2006/relationships" xmlns:a="http://schemas.openxmlformats.org/drawingml/2006/main" xmlns="" val="3292341495"/>
       </p:ext>
     </p:extLst>
   </p:cSld>
@@ -4032,7 +4002,7 @@
 </file>
 
 <file path=ppt/slides/slide4.xml><?xml version="1.0" encoding="utf-8"?>
-<p:sld xmlns:a="http://schemas.openxmlformats.org/drawingml/2006/main" xmlns:r="http://schemas.openxmlformats.org/officeDocument/2006/relationships" xmlns:p="http://schemas.openxmlformats.org/presentationml/2006/main">
+<p:sld xmlns:a="http://schemas.openxmlformats.org/drawingml/2006/main" xmlns:r="http://schemas.openxmlformats.org/officeDocument/2006/relationships" xmlns:mc="http://schemas.openxmlformats.org/markup-compatibility/2006" xmlns:mv="urn:schemas-microsoft-com:mac:vml" xmlns:p="http://schemas.openxmlformats.org/presentationml/2006/main" mc:Ignorable="mv" mc:PreserveAttributes="mv:*">
   <p:cSld>
     <p:bg>
       <p:bgPr>
@@ -4293,17 +4263,7 @@
                 <a:latin typeface="Segoe UI Light" panose="020B0502040204020203" pitchFamily="34" charset="0"/>
                 <a:cs typeface="Segoe UI Light" panose="020B0502040204020203" pitchFamily="34" charset="0"/>
               </a:rPr>
-              <a:t>C# / </a:t>
-            </a:r>
-            <a:r>
-              <a:rPr lang="fr-FR" sz="4400" dirty="0" smtClean="0">
-                <a:solidFill>
-                  <a:schemeClr val="bg1"/>
-                </a:solidFill>
-                <a:latin typeface="Segoe UI Light" panose="020B0502040204020203" pitchFamily="34" charset="0"/>
-                <a:cs typeface="Segoe UI Light" panose="020B0502040204020203" pitchFamily="34" charset="0"/>
-              </a:rPr>
-              <a:t>XAML</a:t>
+              <a:t>C# / XAML</a:t>
             </a:r>
           </a:p>
           <a:p>
@@ -4318,13 +4278,6 @@
               </a:rPr>
               <a:t>Windows 8 &amp; WP8</a:t>
             </a:r>
-            <a:endParaRPr lang="fr-FR" sz="2200" dirty="0" smtClean="0">
-              <a:solidFill>
-                <a:schemeClr val="bg1"/>
-              </a:solidFill>
-              <a:latin typeface="Segoe UI Light" panose="020B0502040204020203" pitchFamily="34" charset="0"/>
-              <a:cs typeface="Segoe UI Light" panose="020B0502040204020203" pitchFamily="34" charset="0"/>
-            </a:endParaRPr>
           </a:p>
           <a:p>
             <a:pPr marL="514350" indent="-514350" algn="l">
@@ -4349,17 +4302,7 @@
                 <a:latin typeface="Segoe UI Light" panose="020B0502040204020203" pitchFamily="34" charset="0"/>
                 <a:cs typeface="Segoe UI Light" panose="020B0502040204020203" pitchFamily="34" charset="0"/>
               </a:rPr>
-              <a:t>Windows </a:t>
-            </a:r>
-            <a:r>
-              <a:rPr lang="fr-FR" sz="4400" dirty="0" smtClean="0">
-                <a:solidFill>
-                  <a:schemeClr val="bg1"/>
-                </a:solidFill>
-                <a:latin typeface="Segoe UI Light" panose="020B0502040204020203" pitchFamily="34" charset="0"/>
-                <a:cs typeface="Segoe UI Light" panose="020B0502040204020203" pitchFamily="34" charset="0"/>
-              </a:rPr>
-              <a:t>Azure</a:t>
+              <a:t>Windows Azure</a:t>
             </a:r>
           </a:p>
           <a:p>
@@ -4374,13 +4317,6 @@
               </a:rPr>
               <a:t>Prétraitement des sources Open Data</a:t>
             </a:r>
-            <a:endParaRPr lang="fr-FR" sz="2200" dirty="0" smtClean="0">
-              <a:solidFill>
-                <a:schemeClr val="bg1"/>
-              </a:solidFill>
-              <a:latin typeface="Segoe UI Light" panose="020B0502040204020203" pitchFamily="34" charset="0"/>
-              <a:cs typeface="Segoe UI Light" panose="020B0502040204020203" pitchFamily="34" charset="0"/>
-            </a:endParaRPr>
           </a:p>
           <a:p>
             <a:pPr marL="514350" indent="-514350" algn="l">
@@ -4440,7 +4376,7 @@
     </p:spTree>
     <p:extLst>
       <p:ext uri="{BB962C8B-B14F-4D97-AF65-F5344CB8AC3E}">
-        <p14:creationId xmlns:p14="http://schemas.microsoft.com/office/powerpoint/2010/main" val="1619923831"/>
+        <p14:creationId xmlns:p14="http://schemas.microsoft.com/office/powerpoint/2010/main" xmlns:p="http://schemas.openxmlformats.org/presentationml/2006/main" xmlns:r="http://schemas.openxmlformats.org/officeDocument/2006/relationships" xmlns:a="http://schemas.openxmlformats.org/drawingml/2006/main" xmlns="" val="1619923831"/>
       </p:ext>
     </p:extLst>
   </p:cSld>
@@ -4461,7 +4397,7 @@
 </file>
 
 <file path=ppt/slides/slide5.xml><?xml version="1.0" encoding="utf-8"?>
-<p:sld xmlns:a="http://schemas.openxmlformats.org/drawingml/2006/main" xmlns:r="http://schemas.openxmlformats.org/officeDocument/2006/relationships" xmlns:p="http://schemas.openxmlformats.org/presentationml/2006/main">
+<p:sld xmlns:a="http://schemas.openxmlformats.org/drawingml/2006/main" xmlns:r="http://schemas.openxmlformats.org/officeDocument/2006/relationships" xmlns:mc="http://schemas.openxmlformats.org/markup-compatibility/2006" xmlns:mv="urn:schemas-microsoft-com:mac:vml" xmlns:p="http://schemas.openxmlformats.org/presentationml/2006/main" mc:Ignorable="mv" mc:PreserveAttributes="mv:*">
   <p:cSld>
     <p:bg>
       <p:bgPr>
@@ -4763,7 +4699,7 @@
     </p:spTree>
     <p:extLst>
       <p:ext uri="{BB962C8B-B14F-4D97-AF65-F5344CB8AC3E}">
-        <p14:creationId xmlns:p14="http://schemas.microsoft.com/office/powerpoint/2010/main" val="837086610"/>
+        <p14:creationId xmlns:p14="http://schemas.microsoft.com/office/powerpoint/2010/main" xmlns:p="http://schemas.openxmlformats.org/presentationml/2006/main" xmlns:r="http://schemas.openxmlformats.org/officeDocument/2006/relationships" xmlns:a="http://schemas.openxmlformats.org/drawingml/2006/main" xmlns="" val="837086610"/>
       </p:ext>
     </p:extLst>
   </p:cSld>
@@ -4826,7 +4762,7 @@
     </a:clrScheme>
     <a:fontScheme name="Office">
       <a:majorFont>
-        <a:latin typeface="Calibri Light" panose="020F0302020204030204"/>
+        <a:latin typeface="Calibri Light"/>
         <a:ea typeface=""/>
         <a:cs typeface=""/>
         <a:font script="Jpan" typeface="ＭＳ Ｐゴシック"/>
@@ -4861,7 +4797,7 @@
         <a:font script="Geor" typeface="Sylfaen"/>
       </a:majorFont>
       <a:minorFont>
-        <a:latin typeface="Calibri" panose="020F0502020204030204"/>
+        <a:latin typeface="Calibri"/>
         <a:ea typeface=""/>
         <a:cs typeface=""/>
         <a:font script="Jpan" typeface="ＭＳ Ｐゴシック"/>
@@ -5038,7 +4974,7 @@
   <a:extraClrSchemeLst/>
   <a:extLst>
     <a:ext uri="{05A4C25C-085E-4340-85A3-A5531E510DB2}">
-      <thm15:themeFamily xmlns:thm15="http://schemas.microsoft.com/office/thememl/2012/main" name="Office Theme" id="{62F939B6-93AF-4DB8-9C6B-D6C7DFDC589F}" vid="{4A3C46E8-61CC-4603-A589-7422A47A8E4A}"/>
+      <thm15:themeFamily xmlns:thm15="http://schemas.microsoft.com/office/thememl/2012/main" xmlns:a="http://schemas.openxmlformats.org/drawingml/2006/main" xmlns="" name="Office Theme" id="{62F939B6-93AF-4DB8-9C6B-D6C7DFDC589F}" vid="{4A3C46E8-61CC-4603-A589-7422A47A8E4A}"/>
     </a:ext>
   </a:extLst>
 </a:theme>
